--- a/Summary_Slide.pptx
+++ b/Summary_Slide.pptx
@@ -104,6 +104,11 @@
       </a:defRPr>
     </a:lvl9pPr>
   </p:defaultTextStyle>
+  <p:extLst>
+    <p:ext uri="{EFAFB233-063F-42B5-8137-9DF3F51BA10A}">
+      <p15:sldGuideLst xmlns:p15="http://schemas.microsoft.com/office/powerpoint/2012/main"/>
+    </p:ext>
+  </p:extLst>
 </p:presentation>
 </file>
 
@@ -238,7 +243,7 @@
           <a:p>
             <a:fld id="{FBFF5EC1-D6DC-B74F-8FAC-EC6E1EE9E26E}" type="datetimeFigureOut">
               <a:rPr lang="en-US" smtClean="0"/>
-              <a:t>12/7/18</a:t>
+              <a:t>12/7/2018</a:t>
             </a:fld>
             <a:endParaRPr lang="en-US"/>
           </a:p>
@@ -408,7 +413,7 @@
           <a:p>
             <a:fld id="{FBFF5EC1-D6DC-B74F-8FAC-EC6E1EE9E26E}" type="datetimeFigureOut">
               <a:rPr lang="en-US" smtClean="0"/>
-              <a:t>12/7/18</a:t>
+              <a:t>12/7/2018</a:t>
             </a:fld>
             <a:endParaRPr lang="en-US"/>
           </a:p>
@@ -588,7 +593,7 @@
           <a:p>
             <a:fld id="{FBFF5EC1-D6DC-B74F-8FAC-EC6E1EE9E26E}" type="datetimeFigureOut">
               <a:rPr lang="en-US" smtClean="0"/>
-              <a:t>12/7/18</a:t>
+              <a:t>12/7/2018</a:t>
             </a:fld>
             <a:endParaRPr lang="en-US"/>
           </a:p>
@@ -758,7 +763,7 @@
           <a:p>
             <a:fld id="{FBFF5EC1-D6DC-B74F-8FAC-EC6E1EE9E26E}" type="datetimeFigureOut">
               <a:rPr lang="en-US" smtClean="0"/>
-              <a:t>12/7/18</a:t>
+              <a:t>12/7/2018</a:t>
             </a:fld>
             <a:endParaRPr lang="en-US"/>
           </a:p>
@@ -1004,7 +1009,7 @@
           <a:p>
             <a:fld id="{FBFF5EC1-D6DC-B74F-8FAC-EC6E1EE9E26E}" type="datetimeFigureOut">
               <a:rPr lang="en-US" smtClean="0"/>
-              <a:t>12/7/18</a:t>
+              <a:t>12/7/2018</a:t>
             </a:fld>
             <a:endParaRPr lang="en-US"/>
           </a:p>
@@ -1236,7 +1241,7 @@
           <a:p>
             <a:fld id="{FBFF5EC1-D6DC-B74F-8FAC-EC6E1EE9E26E}" type="datetimeFigureOut">
               <a:rPr lang="en-US" smtClean="0"/>
-              <a:t>12/7/18</a:t>
+              <a:t>12/7/2018</a:t>
             </a:fld>
             <a:endParaRPr lang="en-US"/>
           </a:p>
@@ -1603,7 +1608,7 @@
           <a:p>
             <a:fld id="{FBFF5EC1-D6DC-B74F-8FAC-EC6E1EE9E26E}" type="datetimeFigureOut">
               <a:rPr lang="en-US" smtClean="0"/>
-              <a:t>12/7/18</a:t>
+              <a:t>12/7/2018</a:t>
             </a:fld>
             <a:endParaRPr lang="en-US"/>
           </a:p>
@@ -1721,7 +1726,7 @@
           <a:p>
             <a:fld id="{FBFF5EC1-D6DC-B74F-8FAC-EC6E1EE9E26E}" type="datetimeFigureOut">
               <a:rPr lang="en-US" smtClean="0"/>
-              <a:t>12/7/18</a:t>
+              <a:t>12/7/2018</a:t>
             </a:fld>
             <a:endParaRPr lang="en-US"/>
           </a:p>
@@ -1816,7 +1821,7 @@
           <a:p>
             <a:fld id="{FBFF5EC1-D6DC-B74F-8FAC-EC6E1EE9E26E}" type="datetimeFigureOut">
               <a:rPr lang="en-US" smtClean="0"/>
-              <a:t>12/7/18</a:t>
+              <a:t>12/7/2018</a:t>
             </a:fld>
             <a:endParaRPr lang="en-US"/>
           </a:p>
@@ -2093,7 +2098,7 @@
           <a:p>
             <a:fld id="{FBFF5EC1-D6DC-B74F-8FAC-EC6E1EE9E26E}" type="datetimeFigureOut">
               <a:rPr lang="en-US" smtClean="0"/>
-              <a:t>12/7/18</a:t>
+              <a:t>12/7/2018</a:t>
             </a:fld>
             <a:endParaRPr lang="en-US"/>
           </a:p>
@@ -2346,7 +2351,7 @@
           <a:p>
             <a:fld id="{FBFF5EC1-D6DC-B74F-8FAC-EC6E1EE9E26E}" type="datetimeFigureOut">
               <a:rPr lang="en-US" smtClean="0"/>
-              <a:t>12/7/18</a:t>
+              <a:t>12/7/2018</a:t>
             </a:fld>
             <a:endParaRPr lang="en-US"/>
           </a:p>
@@ -2559,7 +2564,7 @@
           <a:p>
             <a:fld id="{FBFF5EC1-D6DC-B74F-8FAC-EC6E1EE9E26E}" type="datetimeFigureOut">
               <a:rPr lang="en-US" smtClean="0"/>
-              <a:t>12/7/18</a:t>
+              <a:t>12/7/2018</a:t>
             </a:fld>
             <a:endParaRPr lang="en-US"/>
           </a:p>
@@ -3001,12 +3006,20 @@
               <a:rPr lang="en-US" sz="4900" b="1" dirty="0" smtClean="0"/>
             </a:br>
             <a:r>
-              <a:rPr lang="en-US" sz="3100" dirty="0" smtClean="0"/>
-              <a:t>Problem Statement: </a:t>
+              <a:rPr lang="en-US" sz="3100" i="1" dirty="0" smtClean="0"/>
+              <a:t>To </a:t>
             </a:r>
             <a:r>
               <a:rPr lang="en-US" sz="3100" i="1" dirty="0"/>
-              <a:t>To what extent does the social nature of a robot elicit the social facilitation and social inhibition effects in humans</a:t>
+              <a:t>what </a:t>
+            </a:r>
+            <a:r>
+              <a:rPr lang="en-US" sz="3100" i="1" dirty="0" smtClean="0"/>
+              <a:t>extent does the </a:t>
+            </a:r>
+            <a:r>
+              <a:rPr lang="en-US" sz="3100" i="1" dirty="0"/>
+              <a:t>social nature of a robot elicit the social facilitation and social inhibition effects in humans</a:t>
             </a:r>
             <a:r>
               <a:rPr lang="en-US" sz="3100" i="1" dirty="0" smtClean="0"/>
@@ -3026,7 +3039,12 @@
             <p:ph sz="half" idx="1"/>
           </p:nvPr>
         </p:nvSpPr>
-        <p:spPr/>
+        <p:spPr>
+          <a:xfrm>
+            <a:off x="710603" y="1835318"/>
+            <a:ext cx="5181600" cy="2323392"/>
+          </a:xfrm>
+        </p:spPr>
         <p:txBody>
           <a:bodyPr>
             <a:normAutofit/>
@@ -3034,71 +3052,110 @@
           <a:lstStyle/>
           <a:p>
             <a:r>
-              <a:rPr lang="en-US" dirty="0" smtClean="0"/>
-              <a:t>Experimental Condition:</a:t>
-            </a:r>
+              <a:rPr lang="en-US" sz="1400" dirty="0" smtClean="0"/>
+              <a:t>Experimental Condition</a:t>
+            </a:r>
+            <a:r>
+              <a:rPr lang="en-US" sz="1400" dirty="0" smtClean="0"/>
+              <a:t>: Social Robot</a:t>
+            </a:r>
+            <a:endParaRPr lang="en-US" sz="1400" dirty="0" smtClean="0"/>
           </a:p>
           <a:p>
             <a:pPr lvl="1"/>
             <a:r>
-              <a:rPr lang="en-US" dirty="0" smtClean="0"/>
-              <a:t>Experimenter greeted robot</a:t>
-            </a:r>
+              <a:rPr lang="en-US" sz="1400" dirty="0" smtClean="0"/>
+              <a:t>Intro: </a:t>
+            </a:r>
+            <a:r>
+              <a:rPr lang="en-US" sz="1400" dirty="0" smtClean="0"/>
+              <a:t>Experimenter </a:t>
+            </a:r>
+            <a:r>
+              <a:rPr lang="en-US" sz="1400" dirty="0" smtClean="0"/>
+              <a:t>greeted robot</a:t>
+            </a:r>
+          </a:p>
+          <a:p>
+            <a:pPr lvl="2"/>
+            <a:r>
+              <a:rPr lang="en-US" sz="1400" dirty="0" smtClean="0"/>
+              <a:t>Robot learned participant name, voice, and face</a:t>
+            </a:r>
+            <a:endParaRPr lang="en-US" sz="1400" dirty="0" smtClean="0"/>
           </a:p>
           <a:p>
             <a:pPr lvl="1"/>
             <a:r>
-              <a:rPr lang="en-US" dirty="0" smtClean="0"/>
-              <a:t>Robot learned participant voice and face</a:t>
-            </a:r>
+              <a:rPr lang="en-US" sz="1400" dirty="0" smtClean="0"/>
+              <a:t>passive ESML movement behavior</a:t>
+            </a:r>
+            <a:endParaRPr lang="en-US" sz="1400" dirty="0" smtClean="0"/>
           </a:p>
           <a:p>
             <a:pPr lvl="1"/>
             <a:r>
-              <a:rPr lang="en-US" dirty="0" smtClean="0"/>
-              <a:t>Robot had idle ESML behavior</a:t>
-            </a:r>
-            <a:endParaRPr lang="en-US" dirty="0" smtClean="0"/>
+              <a:rPr lang="en-US" sz="1400" dirty="0" smtClean="0"/>
+              <a:t>glancing behavior</a:t>
+            </a:r>
+            <a:endParaRPr lang="en-US" sz="1400" dirty="0" smtClean="0"/>
+          </a:p>
+          <a:p>
+            <a:r>
+              <a:rPr lang="en-US" sz="1400" dirty="0" smtClean="0"/>
+              <a:t>Control Condition</a:t>
+            </a:r>
+            <a:r>
+              <a:rPr lang="en-US" sz="1400" dirty="0" smtClean="0"/>
+              <a:t>: Non-Social Robot</a:t>
+            </a:r>
+            <a:endParaRPr lang="en-US" sz="1400" dirty="0" smtClean="0"/>
           </a:p>
           <a:p>
             <a:pPr lvl="1"/>
             <a:r>
-              <a:rPr lang="en-US" dirty="0"/>
-              <a:t>R</a:t>
-            </a:r>
-            <a:r>
-              <a:rPr lang="en-US" dirty="0" smtClean="0"/>
-              <a:t>obot glanced at user</a:t>
+              <a:rPr lang="en-US" sz="1400" dirty="0" smtClean="0"/>
+              <a:t>Intro: Users </a:t>
+            </a:r>
+            <a:r>
+              <a:rPr lang="en-US" sz="1400" dirty="0" smtClean="0"/>
+              <a:t>controlled robot with app</a:t>
             </a:r>
           </a:p>
           <a:p>
             <a:pPr lvl="1"/>
-            <a:endParaRPr lang="en-US" dirty="0" smtClean="0"/>
-          </a:p>
-          <a:p>
-            <a:r>
-              <a:rPr lang="en-US" dirty="0" smtClean="0"/>
-              <a:t>Control Condition:</a:t>
+            <a:r>
+              <a:rPr lang="en-US" sz="1400" dirty="0" smtClean="0"/>
+              <a:t>Same movements, but </a:t>
+            </a:r>
+            <a:r>
+              <a:rPr lang="en-US" sz="1400" dirty="0"/>
+              <a:t>r</a:t>
+            </a:r>
+            <a:r>
+              <a:rPr lang="en-US" sz="1400" dirty="0" smtClean="0"/>
+              <a:t>obot faced side </a:t>
+            </a:r>
+            <a:r>
+              <a:rPr lang="en-US" sz="1400" dirty="0" smtClean="0"/>
+              <a:t>of </a:t>
+            </a:r>
+            <a:r>
+              <a:rPr lang="en-US" sz="1400" dirty="0" smtClean="0"/>
+              <a:t>user</a:t>
             </a:r>
           </a:p>
           <a:p>
             <a:pPr lvl="1"/>
-            <a:r>
-              <a:rPr lang="en-US" dirty="0" smtClean="0"/>
-              <a:t>Users controlled robot with app</a:t>
-            </a:r>
+            <a:endParaRPr lang="en-US" sz="1400" dirty="0"/>
           </a:p>
           <a:p>
             <a:pPr lvl="1"/>
-            <a:r>
-              <a:rPr lang="en-US" dirty="0" smtClean="0"/>
-              <a:t>Robot glanced to side of user</a:t>
-            </a:r>
-            <a:endParaRPr lang="en-US" dirty="0" smtClean="0"/>
+            <a:endParaRPr lang="en-US" sz="1400" dirty="0" smtClean="0"/>
           </a:p>
           <a:p>
             <a:pPr lvl="1"/>
-            <a:endParaRPr lang="en-US" dirty="0" smtClean="0"/>
+            <a:endParaRPr lang="en-US" sz="1400" dirty="0"/>
           </a:p>
         </p:txBody>
       </p:sp>
@@ -3127,8 +3184,8 @@
         </p:blipFill>
         <p:spPr>
           <a:xfrm>
-            <a:off x="7349147" y="1950885"/>
-            <a:ext cx="3251200" cy="1828800"/>
+            <a:off x="206737" y="4068254"/>
+            <a:ext cx="2828309" cy="1590924"/>
           </a:xfrm>
           <a:prstGeom prst="rect">
             <a:avLst/>
@@ -3160,8 +3217,8 @@
         </p:blipFill>
         <p:spPr>
           <a:xfrm>
-            <a:off x="7349147" y="4348163"/>
-            <a:ext cx="3251199" cy="1828800"/>
+            <a:off x="3035046" y="4753988"/>
+            <a:ext cx="2778340" cy="1562817"/>
           </a:xfrm>
           <a:prstGeom prst="rect">
             <a:avLst/>
@@ -3176,7 +3233,7 @@
         </p:nvSpPr>
         <p:spPr>
           <a:xfrm>
-            <a:off x="8183403" y="3779685"/>
+            <a:off x="818338" y="5884718"/>
             <a:ext cx="1582686" cy="369332"/>
           </a:xfrm>
           <a:prstGeom prst="rect">
@@ -3206,7 +3263,7 @@
         </p:nvSpPr>
         <p:spPr>
           <a:xfrm>
-            <a:off x="7999669" y="6176963"/>
+            <a:off x="3449139" y="4177946"/>
             <a:ext cx="1950154" cy="369332"/>
           </a:xfrm>
           <a:prstGeom prst="rect">
@@ -3221,13 +3278,118 @@
           <a:lstStyle/>
           <a:p>
             <a:r>
-              <a:rPr lang="en-US" smtClean="0"/>
+              <a:rPr lang="en-US" dirty="0" smtClean="0"/>
               <a:t>Glancing Behavior</a:t>
             </a:r>
             <a:endParaRPr lang="en-US" dirty="0"/>
           </a:p>
         </p:txBody>
       </p:sp>
+      <p:sp>
+        <p:nvSpPr>
+          <p:cNvPr id="3" name="TextBox 2"/>
+          <p:cNvSpPr txBox="1"/>
+          <p:nvPr/>
+        </p:nvSpPr>
+        <p:spPr>
+          <a:xfrm>
+            <a:off x="6307389" y="1690688"/>
+            <a:ext cx="4776216" cy="2062103"/>
+          </a:xfrm>
+          <a:prstGeom prst="rect">
+            <a:avLst/>
+          </a:prstGeom>
+          <a:noFill/>
+        </p:spPr>
+        <p:txBody>
+          <a:bodyPr wrap="square" rtlCol="0">
+            <a:spAutoFit/>
+          </a:bodyPr>
+          <a:lstStyle/>
+          <a:p>
+            <a:pPr algn="ctr"/>
+            <a:r>
+              <a:rPr lang="en-US" sz="1600" b="1" dirty="0" smtClean="0"/>
+              <a:t>Results</a:t>
+            </a:r>
+          </a:p>
+          <a:p>
+            <a:pPr algn="ctr"/>
+            <a:r>
+              <a:rPr lang="en-US" sz="1600" dirty="0" smtClean="0"/>
+              <a:t>- Participants in the experimental (vs. control) condition were able to learn and perform significantly better in both the easy and difficult versions of a paired-association task </a:t>
+            </a:r>
+          </a:p>
+          <a:p>
+            <a:pPr algn="ctr"/>
+            <a:r>
+              <a:rPr lang="en-US" sz="1600" dirty="0" smtClean="0"/>
+              <a:t>- Perceptions of robot sociality were generally positively correlated with various performance measures</a:t>
+            </a:r>
+            <a:endParaRPr lang="en-US" sz="1600" dirty="0"/>
+          </a:p>
+        </p:txBody>
+      </p:sp>
+      <p:pic>
+        <p:nvPicPr>
+          <p:cNvPr id="4" name="Picture 3"/>
+          <p:cNvPicPr>
+            <a:picLocks noChangeAspect="1"/>
+          </p:cNvPicPr>
+          <p:nvPr/>
+        </p:nvPicPr>
+        <p:blipFill>
+          <a:blip r:embed="rId8">
+            <a:extLst>
+              <a:ext uri="{28A0092B-C50C-407E-A947-70E740481C1C}">
+                <a14:useLocalDpi xmlns:a14="http://schemas.microsoft.com/office/drawing/2010/main" val="0"/>
+              </a:ext>
+            </a:extLst>
+          </a:blip>
+          <a:stretch>
+            <a:fillRect/>
+          </a:stretch>
+        </p:blipFill>
+        <p:spPr>
+          <a:xfrm>
+            <a:off x="6323576" y="3716672"/>
+            <a:ext cx="2973057" cy="3039618"/>
+          </a:xfrm>
+          <a:prstGeom prst="rect">
+            <a:avLst/>
+          </a:prstGeom>
+        </p:spPr>
+      </p:pic>
+      <p:pic>
+        <p:nvPicPr>
+          <p:cNvPr id="6" name="Picture 5"/>
+          <p:cNvPicPr>
+            <a:picLocks noChangeAspect="1"/>
+          </p:cNvPicPr>
+          <p:nvPr/>
+        </p:nvPicPr>
+        <p:blipFill>
+          <a:blip r:embed="rId9">
+            <a:extLst>
+              <a:ext uri="{28A0092B-C50C-407E-A947-70E740481C1C}">
+                <a14:useLocalDpi xmlns:a14="http://schemas.microsoft.com/office/drawing/2010/main" val="0"/>
+              </a:ext>
+            </a:extLst>
+          </a:blip>
+          <a:stretch>
+            <a:fillRect/>
+          </a:stretch>
+        </p:blipFill>
+        <p:spPr>
+          <a:xfrm>
+            <a:off x="9312820" y="3732677"/>
+            <a:ext cx="2783460" cy="2845776"/>
+          </a:xfrm>
+          <a:prstGeom prst="rect">
+            <a:avLst/>
+          </a:prstGeom>
+        </p:spPr>
+      </p:pic>
     </p:spTree>
     <p:extLst>
       <p:ext uri="{BB962C8B-B14F-4D97-AF65-F5344CB8AC3E}">
